--- a/PraticalWork1/Presentation.pptx
+++ b/PraticalWork1/Presentation.pptx
@@ -280,6 +280,11 @@
       </a:defRPr>
     </a:lvl9pPr>
   </p:defaultTextStyle>
+  <p:extLst>
+    <p:ext uri="{EFAFB233-063F-42B5-8137-9DF3F51BA10A}">
+      <p15:sldGuideLst xmlns:p15="http://schemas.microsoft.com/office/powerpoint/2012/main"/>
+    </p:ext>
+  </p:extLst>
 </p:presentation>
 </file>
 
@@ -3753,19 +3758,19 @@
             </a:r>
             <a:r>
               <a:rPr lang="en-US" dirty="0"/>
-              <a:t> </a:t>
-            </a:r>
-            <a:r>
-              <a:rPr lang="en-US" dirty="0" err="1"/>
-              <a:t>melhores</a:t>
-            </a:r>
-            <a:r>
-              <a:rPr lang="en-US" dirty="0"/>
-              <a:t> </a:t>
-            </a:r>
-            <a:r>
-              <a:rPr lang="en-US" dirty="0" err="1"/>
-              <a:t>métricas</a:t>
+              <a:t> o </a:t>
+            </a:r>
+            <a:r>
+              <a:rPr lang="en-US" dirty="0" err="1"/>
+              <a:t>melhor</a:t>
+            </a:r>
+            <a:r>
+              <a:rPr lang="en-US" dirty="0"/>
+              <a:t> </a:t>
+            </a:r>
+            <a:r>
+              <a:rPr lang="en-US" dirty="0" err="1"/>
+              <a:t>MeanStructuralSimilarityIndex</a:t>
             </a:r>
             <a:r>
               <a:rPr lang="en-US" dirty="0"/>
@@ -10375,6 +10380,15 @@
 </file>
 
 <file path=customXml/item1.xml><?xml version="1.0" encoding="utf-8"?>
+<?mso-contentType ?>
+<FormTemplates xmlns="http://schemas.microsoft.com/sharepoint/v3/contenttype/forms">
+  <Display>DocumentLibraryForm</Display>
+  <Edit>DocumentLibraryForm</Edit>
+  <New>DocumentLibraryForm</New>
+</FormTemplates>
+</file>
+
+<file path=customXml/item2.xml><?xml version="1.0" encoding="utf-8"?>
 <ct:contentTypeSchema xmlns:ct="http://schemas.microsoft.com/office/2006/metadata/contentType" xmlns:ma="http://schemas.microsoft.com/office/2006/metadata/properties/metaAttributes" ct:_="" ma:_="" ma:contentTypeName="Document" ma:contentTypeID="0x01010065A6B289DCCED641868CBFCF63846C97" ma:contentTypeVersion="11" ma:contentTypeDescription="Create a new document." ma:contentTypeScope="" ma:versionID="f2db3ffdc2dd9d90fe81c488361f093c">
   <xsd:schema xmlns:xsd="http://www.w3.org/2001/XMLSchema" xmlns:xs="http://www.w3.org/2001/XMLSchema" xmlns:p="http://schemas.microsoft.com/office/2006/metadata/properties" xmlns:ns3="7a966205-320b-48ea-a053-32612ff69dad" xmlns:ns4="3d26e61b-8430-4bd5-81d5-ef66c2250061" targetNamespace="http://schemas.microsoft.com/office/2006/metadata/properties" ma:root="true" ma:fieldsID="d9623e953106a9f0c51ea90164bca8f5" ns3:_="" ns4:_="">
     <xsd:import namespace="7a966205-320b-48ea-a053-32612ff69dad"/>
@@ -10583,15 +10597,6 @@
 </ct:contentTypeSchema>
 </file>
 
-<file path=customXml/item2.xml><?xml version="1.0" encoding="utf-8"?>
-<?mso-contentType ?>
-<FormTemplates xmlns="http://schemas.microsoft.com/sharepoint/v3/contenttype/forms">
-  <Display>DocumentLibraryForm</Display>
-  <Edit>DocumentLibraryForm</Edit>
-  <New>DocumentLibraryForm</New>
-</FormTemplates>
-</file>
-
 <file path=customXml/item3.xml><?xml version="1.0" encoding="utf-8"?>
 <p:properties xmlns:p="http://schemas.microsoft.com/office/2006/metadata/properties" xmlns:xsi="http://www.w3.org/2001/XMLSchema-instance" xmlns:pc="http://schemas.microsoft.com/office/infopath/2007/PartnerControls">
   <documentManagement/>
@@ -10599,6 +10604,14 @@
 </file>
 
 <file path=customXml/itemProps1.xml><?xml version="1.0" encoding="utf-8"?>
+<ds:datastoreItem xmlns:ds="http://schemas.openxmlformats.org/officeDocument/2006/customXml" ds:itemID="{FB0643D3-6F78-4C06-9333-8EDD5B46FD72}">
+  <ds:schemaRefs>
+    <ds:schemaRef ds:uri="http://schemas.microsoft.com/sharepoint/v3/contenttype/forms"/>
+  </ds:schemaRefs>
+</ds:datastoreItem>
+</file>
+
+<file path=customXml/itemProps2.xml><?xml version="1.0" encoding="utf-8"?>
 <ds:datastoreItem xmlns:ds="http://schemas.openxmlformats.org/officeDocument/2006/customXml" ds:itemID="{99B4E7B4-331D-4815-A393-B1458ACCF35B}">
   <ds:schemaRefs>
     <ds:schemaRef ds:uri="http://schemas.microsoft.com/office/2006/metadata/contentType"/>
@@ -10613,14 +10626,6 @@
     <ds:schemaRef ds:uri="http://purl.org/dc/elements/1.1/"/>
     <ds:schemaRef ds:uri="http://purl.org/dc/terms/"/>
     <ds:schemaRef ds:uri="http://schemas.microsoft.com/internal/obd"/>
-  </ds:schemaRefs>
-</ds:datastoreItem>
-</file>
-
-<file path=customXml/itemProps2.xml><?xml version="1.0" encoding="utf-8"?>
-<ds:datastoreItem xmlns:ds="http://schemas.openxmlformats.org/officeDocument/2006/customXml" ds:itemID="{FB0643D3-6F78-4C06-9333-8EDD5B46FD72}">
-  <ds:schemaRefs>
-    <ds:schemaRef ds:uri="http://schemas.microsoft.com/sharepoint/v3/contenttype/forms"/>
   </ds:schemaRefs>
 </ds:datastoreItem>
 </file>
